--- a/BaoCao/DATN_DongVanTuan_1553164_Slide.pptx
+++ b/BaoCao/DATN_DongVanTuan_1553164_Slide.pptx
@@ -276,7 +276,7 @@
           <a:p>
             <a:fld id="{A30E485F-03BA-45F4-BF82-8812760A513E}" type="datetimeFigureOut">
               <a:rPr lang="en-US" smtClean="0"/>
-              <a:t>12/26/2023</a:t>
+              <a:t>1/3/2024</a:t>
             </a:fld>
             <a:endParaRPr lang="en-US"/>
           </a:p>
@@ -474,7 +474,7 @@
           <a:p>
             <a:fld id="{A30E485F-03BA-45F4-BF82-8812760A513E}" type="datetimeFigureOut">
               <a:rPr lang="en-US" smtClean="0"/>
-              <a:t>12/26/2023</a:t>
+              <a:t>1/3/2024</a:t>
             </a:fld>
             <a:endParaRPr lang="en-US"/>
           </a:p>
@@ -682,7 +682,7 @@
           <a:p>
             <a:fld id="{A30E485F-03BA-45F4-BF82-8812760A513E}" type="datetimeFigureOut">
               <a:rPr lang="en-US" smtClean="0"/>
-              <a:t>12/26/2023</a:t>
+              <a:t>1/3/2024</a:t>
             </a:fld>
             <a:endParaRPr lang="en-US"/>
           </a:p>
@@ -880,7 +880,7 @@
           <a:p>
             <a:fld id="{A30E485F-03BA-45F4-BF82-8812760A513E}" type="datetimeFigureOut">
               <a:rPr lang="en-US" smtClean="0"/>
-              <a:t>12/26/2023</a:t>
+              <a:t>1/3/2024</a:t>
             </a:fld>
             <a:endParaRPr lang="en-US"/>
           </a:p>
@@ -1155,7 +1155,7 @@
           <a:p>
             <a:fld id="{A30E485F-03BA-45F4-BF82-8812760A513E}" type="datetimeFigureOut">
               <a:rPr lang="en-US" smtClean="0"/>
-              <a:t>12/26/2023</a:t>
+              <a:t>1/3/2024</a:t>
             </a:fld>
             <a:endParaRPr lang="en-US"/>
           </a:p>
@@ -1420,7 +1420,7 @@
           <a:p>
             <a:fld id="{A30E485F-03BA-45F4-BF82-8812760A513E}" type="datetimeFigureOut">
               <a:rPr lang="en-US" smtClean="0"/>
-              <a:t>12/26/2023</a:t>
+              <a:t>1/3/2024</a:t>
             </a:fld>
             <a:endParaRPr lang="en-US"/>
           </a:p>
@@ -1832,7 +1832,7 @@
           <a:p>
             <a:fld id="{A30E485F-03BA-45F4-BF82-8812760A513E}" type="datetimeFigureOut">
               <a:rPr lang="en-US" smtClean="0"/>
-              <a:t>12/26/2023</a:t>
+              <a:t>1/3/2024</a:t>
             </a:fld>
             <a:endParaRPr lang="en-US"/>
           </a:p>
@@ -1973,7 +1973,7 @@
           <a:p>
             <a:fld id="{A30E485F-03BA-45F4-BF82-8812760A513E}" type="datetimeFigureOut">
               <a:rPr lang="en-US" smtClean="0"/>
-              <a:t>12/26/2023</a:t>
+              <a:t>1/3/2024</a:t>
             </a:fld>
             <a:endParaRPr lang="en-US"/>
           </a:p>
@@ -2086,7 +2086,7 @@
           <a:p>
             <a:fld id="{A30E485F-03BA-45F4-BF82-8812760A513E}" type="datetimeFigureOut">
               <a:rPr lang="en-US" smtClean="0"/>
-              <a:t>12/26/2023</a:t>
+              <a:t>1/3/2024</a:t>
             </a:fld>
             <a:endParaRPr lang="en-US"/>
           </a:p>
@@ -2397,7 +2397,7 @@
           <a:p>
             <a:fld id="{A30E485F-03BA-45F4-BF82-8812760A513E}" type="datetimeFigureOut">
               <a:rPr lang="en-US" smtClean="0"/>
-              <a:t>12/26/2023</a:t>
+              <a:t>1/3/2024</a:t>
             </a:fld>
             <a:endParaRPr lang="en-US"/>
           </a:p>
@@ -2685,7 +2685,7 @@
           <a:p>
             <a:fld id="{A30E485F-03BA-45F4-BF82-8812760A513E}" type="datetimeFigureOut">
               <a:rPr lang="en-US" smtClean="0"/>
-              <a:t>12/26/2023</a:t>
+              <a:t>1/3/2024</a:t>
             </a:fld>
             <a:endParaRPr lang="en-US"/>
           </a:p>
@@ -2929,7 +2929,7 @@
           <a:p>
             <a:fld id="{A30E485F-03BA-45F4-BF82-8812760A513E}" type="datetimeFigureOut">
               <a:rPr lang="en-US" smtClean="0"/>
-              <a:t>12/26/2023</a:t>
+              <a:t>1/3/2024</a:t>
             </a:fld>
             <a:endParaRPr lang="en-US"/>
           </a:p>
@@ -4235,7 +4235,7 @@
         <p:spPr>
           <a:xfrm>
             <a:off x="4301406" y="6179187"/>
-            <a:ext cx="3390901" cy="443225"/>
+            <a:ext cx="3818127" cy="443225"/>
           </a:xfrm>
           <a:prstGeom prst="rect">
             <a:avLst/>
@@ -4273,7 +4273,7 @@
                 <a:cs typeface="Times New Roman"/>
                 <a:sym typeface="Times New Roman"/>
               </a:rPr>
-              <a:t>Hà Nội, ngày tháng năm 2023</a:t>
+              <a:t>Hà Nội, ngày  tháng 01 năm 2024</a:t>
             </a:r>
             <a:endParaRPr sz="3200" i="1" u="none" strike="noStrike" cap="none">
               <a:solidFill>
